--- a/Proyecto/Proyecto Analisis Numerico.pptx
+++ b/Proyecto/Proyecto Analisis Numerico.pptx
@@ -5,7 +5,7 @@
     <p:sldMasterId id="2147483698" r:id="rId1"/>
   </p:sldMasterIdLst>
   <p:notesMasterIdLst>
-    <p:notesMasterId r:id="rId33"/>
+    <p:notesMasterId r:id="rId32"/>
   </p:notesMasterIdLst>
   <p:sldIdLst>
     <p:sldId id="256" r:id="rId2"/>
@@ -34,11 +34,10 @@
     <p:sldId id="291" r:id="rId25"/>
     <p:sldId id="267" r:id="rId26"/>
     <p:sldId id="265" r:id="rId27"/>
-    <p:sldId id="263" r:id="rId28"/>
-    <p:sldId id="266" r:id="rId29"/>
-    <p:sldId id="268" r:id="rId30"/>
-    <p:sldId id="269" r:id="rId31"/>
-    <p:sldId id="275" r:id="rId32"/>
+    <p:sldId id="266" r:id="rId28"/>
+    <p:sldId id="268" r:id="rId29"/>
+    <p:sldId id="269" r:id="rId30"/>
+    <p:sldId id="275" r:id="rId31"/>
   </p:sldIdLst>
   <p:sldSz cx="12192000" cy="6858000"/>
   <p:notesSz cx="6858000" cy="9144000"/>
@@ -148,7 +147,7 @@
 <file path=ppt/revisionInfo.xml><?xml version="1.0" encoding="utf-8"?>
 <p1510:revInfo xmlns:a="http://schemas.openxmlformats.org/drawingml/2006/main" xmlns:r="http://schemas.openxmlformats.org/officeDocument/2006/relationships" xmlns:p1510="http://schemas.microsoft.com/office/powerpoint/2015/10/main">
   <p1510:revLst>
-    <p1510:client id="{3487A0B7-37A2-43DB-A792-760B5182923D}" v="817" dt="2020-11-27T06:29:05.141"/>
+    <p1510:client id="{3487A0B7-37A2-43DB-A792-760B5182923D}" v="847" dt="2020-11-27T12:20:18.952"/>
     <p1510:client id="{416DD6F0-76FD-4137-A9B8-D88F0FB09FA9}" v="6291" dt="2020-11-27T10:35:36.926"/>
     <p1510:client id="{47366249-DB10-BF32-B81D-01336B3386B2}" v="60" dt="2020-11-27T04:08:30.729"/>
   </p1510:revLst>
@@ -4356,126 +4355,6 @@
 </p:notes>
 </file>
 
-<file path=ppt/notesSlides/notesSlide10.xml><?xml version="1.0" encoding="utf-8"?>
-<p:notes xmlns:a="http://schemas.openxmlformats.org/drawingml/2006/main" xmlns:r="http://schemas.openxmlformats.org/officeDocument/2006/relationships" xmlns:p="http://schemas.openxmlformats.org/presentationml/2006/main">
-  <p:cSld>
-    <p:spTree>
-      <p:nvGrpSpPr>
-        <p:cNvPr id="1" name=""/>
-        <p:cNvGrpSpPr/>
-        <p:nvPr/>
-      </p:nvGrpSpPr>
-      <p:grpSpPr>
-        <a:xfrm>
-          <a:off x="0" y="0"/>
-          <a:ext cx="0" cy="0"/>
-          <a:chOff x="0" y="0"/>
-          <a:chExt cx="0" cy="0"/>
-        </a:xfrm>
-      </p:grpSpPr>
-      <p:sp>
-        <p:nvSpPr>
-          <p:cNvPr id="2" name="Marcador de imagen de diapositiva 1"/>
-          <p:cNvSpPr>
-            <a:spLocks noGrp="1" noRot="1" noChangeAspect="1"/>
-          </p:cNvSpPr>
-          <p:nvPr>
-            <p:ph type="sldImg"/>
-          </p:nvPr>
-        </p:nvSpPr>
-        <p:spPr/>
-      </p:sp>
-      <p:sp>
-        <p:nvSpPr>
-          <p:cNvPr id="3" name="Marcador de notas 2"/>
-          <p:cNvSpPr>
-            <a:spLocks noGrp="1"/>
-          </p:cNvSpPr>
-          <p:nvPr>
-            <p:ph type="body" idx="1"/>
-          </p:nvPr>
-        </p:nvSpPr>
-        <p:spPr/>
-        <p:txBody>
-          <a:bodyPr/>
-          <a:lstStyle/>
-          <a:p>
-            <a:r>
-              <a:rPr lang="es-CO" dirty="0">
-                <a:highlight>
-                  <a:srgbClr val="FFFF00"/>
-                </a:highlight>
-              </a:rPr>
-              <a:t>Por ejemplo: Las coordenadas (</a:t>
-            </a:r>
-            <a:r>
-              <a:rPr lang="es-CO" dirty="0" err="1">
-                <a:highlight>
-                  <a:srgbClr val="FFFF00"/>
-                </a:highlight>
-              </a:rPr>
-              <a:t>x,y</a:t>
-            </a:r>
-            <a:r>
-              <a:rPr lang="es-CO" dirty="0">
-                <a:highlight>
-                  <a:srgbClr val="FFFF00"/>
-                </a:highlight>
-              </a:rPr>
-              <a:t>) no cambian más una vez se llega al punto mínimo de H (?)</a:t>
-            </a:r>
-          </a:p>
-          <a:p>
-            <a:r>
-              <a:rPr lang="es-CO" dirty="0">
-                <a:highlight>
-                  <a:srgbClr val="FFFF00"/>
-                </a:highlight>
-              </a:rPr>
-              <a:t>¿En caso de que hubiera varios puntos mínimos habría un ciclo o un comportamiento periódico? (parece que no) -&gt; la meta no es siempre el punto mínimo, esto ocurre cuando el obstáculo queda muy cercano a la meta.</a:t>
-            </a:r>
-          </a:p>
-          <a:p>
-            <a:endParaRPr lang="es-CO" dirty="0"/>
-          </a:p>
-        </p:txBody>
-      </p:sp>
-      <p:sp>
-        <p:nvSpPr>
-          <p:cNvPr id="4" name="Marcador de número de diapositiva 3"/>
-          <p:cNvSpPr>
-            <a:spLocks noGrp="1"/>
-          </p:cNvSpPr>
-          <p:nvPr>
-            <p:ph type="sldNum" sz="quarter" idx="5"/>
-          </p:nvPr>
-        </p:nvSpPr>
-        <p:spPr/>
-        <p:txBody>
-          <a:bodyPr/>
-          <a:lstStyle/>
-          <a:p>
-            <a:fld id="{081600F4-043D-4ACC-A194-2A8C2753AE7B}" type="slidenum">
-              <a:rPr lang="en-US" smtClean="0"/>
-              <a:t>27</a:t>
-            </a:fld>
-            <a:endParaRPr lang="en-US"/>
-          </a:p>
-        </p:txBody>
-      </p:sp>
-    </p:spTree>
-    <p:extLst>
-      <p:ext uri="{BB962C8B-B14F-4D97-AF65-F5344CB8AC3E}">
-        <p14:creationId xmlns:p14="http://schemas.microsoft.com/office/powerpoint/2010/main" val="2450559972"/>
-      </p:ext>
-    </p:extLst>
-  </p:cSld>
-  <p:clrMapOvr>
-    <a:masterClrMapping/>
-  </p:clrMapOvr>
-</p:notes>
-</file>
-
 <file path=ppt/notesSlides/notesSlide2.xml><?xml version="1.0" encoding="utf-8"?>
 <p:notes xmlns:a="http://schemas.openxmlformats.org/drawingml/2006/main" xmlns:r="http://schemas.openxmlformats.org/officeDocument/2006/relationships" xmlns:p="http://schemas.openxmlformats.org/presentationml/2006/main">
   <p:cSld>
@@ -12215,14 +12094,14 @@
           <a:lstStyle/>
           <a:p>
             <a:r>
-              <a:rPr lang="es-CO" sz="3200" dirty="0"/>
+              <a:rPr lang="es-CO" sz="3200"/>
               <a:t>Variación de Parámetro c</a:t>
             </a:r>
             <a:br>
-              <a:rPr lang="es-CO" sz="3200" dirty="0"/>
+              <a:rPr lang="es-CO" sz="3200"/>
             </a:br>
             <a:r>
-              <a:rPr lang="es-CO" sz="3200" dirty="0"/>
+              <a:rPr lang="es-CO" sz="3200"/>
               <a:t>(caso 4)</a:t>
             </a:r>
           </a:p>
@@ -12967,12 +12846,12 @@
                     <a:p>
                       <a:pPr algn="r" fontAlgn="b"/>
                       <a:r>
-                        <a:rPr lang="es-CO" sz="1100" u="none" strike="noStrike" dirty="0">
+                        <a:rPr lang="es-CO" sz="1100" u="none" strike="noStrike">
                           <a:effectLst/>
                         </a:rPr>
                         <a:t>4.318631</a:t>
                       </a:r>
-                      <a:endParaRPr lang="es-CO" sz="1100" b="0" i="0" u="none" strike="noStrike" dirty="0">
+                      <a:endParaRPr lang="es-CO" sz="1100" b="0" i="0" u="none" strike="noStrike">
                         <a:solidFill>
                           <a:srgbClr val="000000"/>
                         </a:solidFill>
@@ -13222,14 +13101,14 @@
           <a:lstStyle/>
           <a:p>
             <a:r>
-              <a:rPr lang="es-CO" sz="3200" dirty="0"/>
+              <a:rPr lang="es-CO" sz="3200"/>
               <a:t>Variación de Parámetro c</a:t>
             </a:r>
             <a:br>
-              <a:rPr lang="es-CO" sz="3200" dirty="0"/>
+              <a:rPr lang="es-CO" sz="3200"/>
             </a:br>
             <a:r>
-              <a:rPr lang="es-CO" sz="3200" dirty="0"/>
+              <a:rPr lang="es-CO" sz="3200"/>
               <a:t>(caso 5)</a:t>
             </a:r>
           </a:p>
@@ -13733,12 +13612,12 @@
                     <a:p>
                       <a:pPr algn="ctr" fontAlgn="b"/>
                       <a:r>
-                        <a:rPr lang="es-CO" sz="1100" u="none" strike="noStrike" dirty="0">
+                        <a:rPr lang="es-CO" sz="1100" u="none" strike="noStrike">
                           <a:effectLst/>
                         </a:rPr>
                         <a:t>Adams</a:t>
                       </a:r>
-                      <a:endParaRPr lang="es-CO" sz="1100" b="0" i="0" u="none" strike="noStrike" dirty="0">
+                      <a:endParaRPr lang="es-CO" sz="1100" b="0" i="0" u="none" strike="noStrike">
                         <a:solidFill>
                           <a:srgbClr val="000000"/>
                         </a:solidFill>
@@ -13974,12 +13853,12 @@
                     <a:p>
                       <a:pPr algn="r" fontAlgn="b"/>
                       <a:r>
-                        <a:rPr lang="es-CO" sz="1100" u="none" strike="noStrike" dirty="0">
+                        <a:rPr lang="es-CO" sz="1100" u="none" strike="noStrike">
                           <a:effectLst/>
                         </a:rPr>
                         <a:t>5.268764989</a:t>
                       </a:r>
-                      <a:endParaRPr lang="es-CO" sz="1100" b="0" i="0" u="none" strike="noStrike" dirty="0">
+                      <a:endParaRPr lang="es-CO" sz="1100" b="0" i="0" u="none" strike="noStrike">
                         <a:solidFill>
                           <a:srgbClr val="000000"/>
                         </a:solidFill>
@@ -14229,14 +14108,14 @@
           <a:lstStyle/>
           <a:p>
             <a:r>
-              <a:rPr lang="es-CO" sz="3200" dirty="0"/>
+              <a:rPr lang="es-CO" sz="3200"/>
               <a:t>Variación de Parámetro c</a:t>
             </a:r>
             <a:br>
-              <a:rPr lang="es-CO" sz="3200" dirty="0"/>
+              <a:rPr lang="es-CO" sz="3200"/>
             </a:br>
             <a:r>
-              <a:rPr lang="es-CO" sz="3200" dirty="0"/>
+              <a:rPr lang="es-CO" sz="3200"/>
               <a:t>(caso 6)</a:t>
             </a:r>
           </a:p>
@@ -14981,12 +14860,12 @@
                     <a:p>
                       <a:pPr algn="r" fontAlgn="b"/>
                       <a:r>
-                        <a:rPr lang="es-CO" sz="1100" u="none" strike="noStrike" dirty="0">
+                        <a:rPr lang="es-CO" sz="1100" u="none" strike="noStrike">
                           <a:effectLst/>
                         </a:rPr>
                         <a:t>0.060753483</a:t>
                       </a:r>
-                      <a:endParaRPr lang="es-CO" sz="1100" b="0" i="0" u="none" strike="noStrike" dirty="0">
+                      <a:endParaRPr lang="es-CO" sz="1100" b="0" i="0" u="none" strike="noStrike">
                         <a:solidFill>
                           <a:srgbClr val="000000"/>
                         </a:solidFill>
@@ -15236,14 +15115,14 @@
           <a:lstStyle/>
           <a:p>
             <a:r>
-              <a:rPr lang="es-CO" sz="3200" dirty="0"/>
+              <a:rPr lang="es-CO" sz="3200"/>
               <a:t>Variación de Parámetro f</a:t>
             </a:r>
             <a:br>
-              <a:rPr lang="es-CO" sz="3200" dirty="0"/>
+              <a:rPr lang="es-CO" sz="3200"/>
             </a:br>
             <a:r>
-              <a:rPr lang="es-CO" sz="3200" dirty="0"/>
+              <a:rPr lang="es-CO" sz="3200"/>
               <a:t>(caso 7)</a:t>
             </a:r>
           </a:p>
@@ -15747,12 +15626,12 @@
                     <a:p>
                       <a:pPr algn="ctr" fontAlgn="b"/>
                       <a:r>
-                        <a:rPr lang="es-CO" sz="1100" u="none" strike="noStrike" dirty="0">
+                        <a:rPr lang="es-CO" sz="1100" u="none" strike="noStrike">
                           <a:effectLst/>
                         </a:rPr>
                         <a:t>Adams</a:t>
                       </a:r>
-                      <a:endParaRPr lang="es-CO" sz="1100" b="0" i="0" u="none" strike="noStrike" dirty="0">
+                      <a:endParaRPr lang="es-CO" sz="1100" b="0" i="0" u="none" strike="noStrike">
                         <a:solidFill>
                           <a:srgbClr val="000000"/>
                         </a:solidFill>
@@ -15988,12 +15867,12 @@
                     <a:p>
                       <a:pPr algn="r" fontAlgn="b"/>
                       <a:r>
-                        <a:rPr lang="es-CO" sz="1100" u="none" strike="noStrike" dirty="0">
+                        <a:rPr lang="es-CO" sz="1100" u="none" strike="noStrike">
                           <a:effectLst/>
                         </a:rPr>
                         <a:t>9.93E-16</a:t>
                       </a:r>
-                      <a:endParaRPr lang="es-CO" sz="1100" b="0" i="0" u="none" strike="noStrike" dirty="0">
+                      <a:endParaRPr lang="es-CO" sz="1100" b="0" i="0" u="none" strike="noStrike">
                         <a:solidFill>
                           <a:srgbClr val="000000"/>
                         </a:solidFill>
@@ -16243,14 +16122,14 @@
           <a:lstStyle/>
           <a:p>
             <a:r>
-              <a:rPr lang="es-CO" sz="3200" dirty="0"/>
+              <a:rPr lang="es-CO" sz="3200"/>
               <a:t>Variación de Parámetro f</a:t>
             </a:r>
             <a:br>
-              <a:rPr lang="es-CO" sz="3200" dirty="0"/>
+              <a:rPr lang="es-CO" sz="3200"/>
             </a:br>
             <a:r>
-              <a:rPr lang="es-CO" sz="3200" dirty="0"/>
+              <a:rPr lang="es-CO" sz="3200"/>
               <a:t>(caso 8)</a:t>
             </a:r>
           </a:p>
@@ -16754,12 +16633,12 @@
                     <a:p>
                       <a:pPr algn="ctr" fontAlgn="b"/>
                       <a:r>
-                        <a:rPr lang="es-CO" sz="1100" u="none" strike="noStrike" dirty="0">
+                        <a:rPr lang="es-CO" sz="1100" u="none" strike="noStrike">
                           <a:effectLst/>
                         </a:rPr>
                         <a:t>Adams</a:t>
                       </a:r>
-                      <a:endParaRPr lang="es-CO" sz="1100" b="0" i="0" u="none" strike="noStrike" dirty="0">
+                      <a:endParaRPr lang="es-CO" sz="1100" b="0" i="0" u="none" strike="noStrike">
                         <a:solidFill>
                           <a:srgbClr val="000000"/>
                         </a:solidFill>
@@ -16995,12 +16874,12 @@
                     <a:p>
                       <a:pPr algn="r" fontAlgn="b"/>
                       <a:r>
-                        <a:rPr lang="es-CO" sz="1100" u="none" strike="noStrike" dirty="0">
+                        <a:rPr lang="es-CO" sz="1100" u="none" strike="noStrike">
                           <a:effectLst/>
                         </a:rPr>
                         <a:t>1.659226027</a:t>
                       </a:r>
-                      <a:endParaRPr lang="es-CO" sz="1100" b="0" i="0" u="none" strike="noStrike" dirty="0">
+                      <a:endParaRPr lang="es-CO" sz="1100" b="0" i="0" u="none" strike="noStrike">
                         <a:solidFill>
                           <a:srgbClr val="000000"/>
                         </a:solidFill>
@@ -17250,14 +17129,14 @@
           <a:lstStyle/>
           <a:p>
             <a:r>
-              <a:rPr lang="es-CO" sz="3200" dirty="0"/>
+              <a:rPr lang="es-CO" sz="3200"/>
               <a:t>Variación de Parámetro f</a:t>
             </a:r>
             <a:br>
-              <a:rPr lang="es-CO" sz="3200" dirty="0"/>
+              <a:rPr lang="es-CO" sz="3200"/>
             </a:br>
             <a:r>
-              <a:rPr lang="es-CO" sz="3200" dirty="0"/>
+              <a:rPr lang="es-CO" sz="3200"/>
               <a:t>(caso 9)</a:t>
             </a:r>
           </a:p>
@@ -18002,12 +17881,12 @@
                     <a:p>
                       <a:pPr algn="r" fontAlgn="b"/>
                       <a:r>
-                        <a:rPr lang="es-CO" sz="1100" u="none" strike="noStrike" dirty="0">
+                        <a:rPr lang="es-CO" sz="1100" u="none" strike="noStrike">
                           <a:effectLst/>
                         </a:rPr>
                         <a:t>1.169821473</a:t>
                       </a:r>
-                      <a:endParaRPr lang="es-CO" sz="1100" b="0" i="0" u="none" strike="noStrike" dirty="0">
+                      <a:endParaRPr lang="es-CO" sz="1100" b="0" i="0" u="none" strike="noStrike">
                         <a:solidFill>
                           <a:srgbClr val="000000"/>
                         </a:solidFill>
@@ -18257,14 +18136,14 @@
           <a:lstStyle/>
           <a:p>
             <a:r>
-              <a:rPr lang="es-CO" sz="3200" dirty="0"/>
+              <a:rPr lang="es-CO" sz="3200"/>
               <a:t>Variación de Parámetro f</a:t>
             </a:r>
             <a:br>
-              <a:rPr lang="es-CO" sz="3200" dirty="0"/>
+              <a:rPr lang="es-CO" sz="3200"/>
             </a:br>
             <a:r>
-              <a:rPr lang="es-CO" sz="3200" dirty="0"/>
+              <a:rPr lang="es-CO" sz="3200"/>
               <a:t>(caso 10)</a:t>
             </a:r>
           </a:p>
@@ -18768,12 +18647,12 @@
                     <a:p>
                       <a:pPr algn="ctr" fontAlgn="b"/>
                       <a:r>
-                        <a:rPr lang="es-CO" sz="1100" u="none" strike="noStrike" dirty="0">
+                        <a:rPr lang="es-CO" sz="1100" u="none" strike="noStrike">
                           <a:effectLst/>
                         </a:rPr>
                         <a:t>Adams</a:t>
                       </a:r>
-                      <a:endParaRPr lang="es-CO" sz="1100" b="0" i="0" u="none" strike="noStrike" dirty="0">
+                      <a:endParaRPr lang="es-CO" sz="1100" b="0" i="0" u="none" strike="noStrike">
                         <a:solidFill>
                           <a:srgbClr val="000000"/>
                         </a:solidFill>
@@ -19009,12 +18888,12 @@
                     <a:p>
                       <a:pPr algn="r" fontAlgn="b"/>
                       <a:r>
-                        <a:rPr lang="es-CO" sz="1100" u="none" strike="noStrike" dirty="0">
+                        <a:rPr lang="es-CO" sz="1100" u="none" strike="noStrike">
                           <a:effectLst/>
                         </a:rPr>
                         <a:t>1.659226027</a:t>
                       </a:r>
-                      <a:endParaRPr lang="es-CO" sz="1100" b="0" i="0" u="none" strike="noStrike" dirty="0">
+                      <a:endParaRPr lang="es-CO" sz="1100" b="0" i="0" u="none" strike="noStrike">
                         <a:solidFill>
                           <a:srgbClr val="000000"/>
                         </a:solidFill>
@@ -19264,14 +19143,14 @@
           <a:lstStyle/>
           <a:p>
             <a:r>
-              <a:rPr lang="es-CO" sz="3200" dirty="0"/>
+              <a:rPr lang="es-CO" sz="3200"/>
               <a:t>Variación de Parámetro f</a:t>
             </a:r>
             <a:br>
-              <a:rPr lang="es-CO" sz="3200" dirty="0"/>
+              <a:rPr lang="es-CO" sz="3200"/>
             </a:br>
             <a:r>
-              <a:rPr lang="es-CO" sz="3200" dirty="0"/>
+              <a:rPr lang="es-CO" sz="3200"/>
               <a:t>(caso 11)</a:t>
             </a:r>
           </a:p>
@@ -19775,12 +19654,12 @@
                     <a:p>
                       <a:pPr algn="ctr" fontAlgn="b"/>
                       <a:r>
-                        <a:rPr lang="es-CO" sz="1100" u="none" strike="noStrike" dirty="0">
+                        <a:rPr lang="es-CO" sz="1100" u="none" strike="noStrike">
                           <a:effectLst/>
                         </a:rPr>
                         <a:t>Adams</a:t>
                       </a:r>
-                      <a:endParaRPr lang="es-CO" sz="1100" b="0" i="0" u="none" strike="noStrike" dirty="0">
+                      <a:endParaRPr lang="es-CO" sz="1100" b="0" i="0" u="none" strike="noStrike">
                         <a:solidFill>
                           <a:srgbClr val="000000"/>
                         </a:solidFill>
@@ -20016,12 +19895,12 @@
                     <a:p>
                       <a:pPr algn="r" fontAlgn="b"/>
                       <a:r>
-                        <a:rPr lang="es-CO" sz="1100" u="none" strike="noStrike" dirty="0">
+                        <a:rPr lang="es-CO" sz="1100" u="none" strike="noStrike">
                           <a:effectLst/>
                         </a:rPr>
                         <a:t>1.685932273</a:t>
                       </a:r>
-                      <a:endParaRPr lang="es-CO" sz="1100" b="0" i="0" u="none" strike="noStrike" dirty="0">
+                      <a:endParaRPr lang="es-CO" sz="1100" b="0" i="0" u="none" strike="noStrike">
                         <a:solidFill>
                           <a:srgbClr val="000000"/>
                         </a:solidFill>
@@ -20094,7 +19973,7 @@
           <a:lstStyle/>
           <a:p>
             <a:r>
-              <a:rPr lang="es-CO" dirty="0"/>
+              <a:rPr lang="es-CO"/>
               <a:t>Atascamiento</a:t>
             </a:r>
           </a:p>
@@ -20363,14 +20242,14 @@
           <a:lstStyle/>
           <a:p>
             <a:r>
-              <a:rPr lang="es-CO" sz="2800" dirty="0"/>
+              <a:rPr lang="es-CO" sz="2800"/>
               <a:t>Atascamiento</a:t>
             </a:r>
             <a:br>
-              <a:rPr lang="es-CO" sz="2800" dirty="0"/>
+              <a:rPr lang="es-CO" sz="2800"/>
             </a:br>
             <a:r>
-              <a:rPr lang="es-CO" sz="2800" dirty="0"/>
+              <a:rPr lang="es-CO" sz="2800"/>
               <a:t>(caso 12)</a:t>
             </a:r>
           </a:p>
@@ -21534,14 +21413,14 @@
           <a:lstStyle/>
           <a:p>
             <a:r>
-              <a:rPr lang="es-CO" sz="2800" dirty="0"/>
+              <a:rPr lang="es-CO" sz="2800"/>
               <a:t>Atascamiento</a:t>
             </a:r>
             <a:br>
-              <a:rPr lang="es-CO" sz="2800" dirty="0"/>
+              <a:rPr lang="es-CO" sz="2800"/>
             </a:br>
             <a:r>
-              <a:rPr lang="es-CO" sz="2800" dirty="0"/>
+              <a:rPr lang="es-CO" sz="2800"/>
               <a:t>(caso 13)</a:t>
             </a:r>
           </a:p>
@@ -22217,14 +22096,14 @@
           <a:lstStyle/>
           <a:p>
             <a:r>
-              <a:rPr lang="es-CO" sz="2800" dirty="0"/>
+              <a:rPr lang="es-CO" sz="2800"/>
               <a:t>Atascamiento</a:t>
             </a:r>
             <a:br>
-              <a:rPr lang="es-CO" sz="2800" dirty="0"/>
+              <a:rPr lang="es-CO" sz="2800"/>
             </a:br>
             <a:r>
-              <a:rPr lang="es-CO" sz="2800" dirty="0"/>
+              <a:rPr lang="es-CO" sz="2800"/>
               <a:t>(caso 14)</a:t>
             </a:r>
           </a:p>
@@ -23749,8 +23628,8 @@
           </a:p>
         </p:txBody>
       </p:sp>
-      <mc:AlternateContent xmlns:mc="http://schemas.openxmlformats.org/markup-compatibility/2006" xmlns:a14="http://schemas.microsoft.com/office/drawing/2010/main">
-        <mc:Choice Requires="a14">
+      <mc:AlternateContent xmlns:mc="http://schemas.openxmlformats.org/markup-compatibility/2006">
+        <mc:Choice xmlns:a14="http://schemas.microsoft.com/office/drawing/2010/main" Requires="a14">
           <p:sp>
             <p:nvSpPr>
               <p:cNvPr id="5" name="CuadroTexto 4">
@@ -24155,7 +24034,7 @@
             </p:txBody>
           </p:sp>
         </mc:Choice>
-        <mc:Fallback xmlns="">
+        <mc:Fallback>
           <p:sp>
             <p:nvSpPr>
               <p:cNvPr id="5" name="CuadroTexto 4">
@@ -24200,8 +24079,8 @@
           </p:sp>
         </mc:Fallback>
       </mc:AlternateContent>
-      <mc:AlternateContent xmlns:mc="http://schemas.openxmlformats.org/markup-compatibility/2006" xmlns:a14="http://schemas.microsoft.com/office/drawing/2010/main">
-        <mc:Choice Requires="a14">
+      <mc:AlternateContent xmlns:mc="http://schemas.openxmlformats.org/markup-compatibility/2006">
+        <mc:Choice xmlns:a14="http://schemas.microsoft.com/office/drawing/2010/main" Requires="a14">
           <p:sp>
             <p:nvSpPr>
               <p:cNvPr id="6" name="CuadroTexto 5">
@@ -24625,7 +24504,7 @@
             </p:txBody>
           </p:sp>
         </mc:Choice>
-        <mc:Fallback xmlns="">
+        <mc:Fallback>
           <p:sp>
             <p:nvSpPr>
               <p:cNvPr id="6" name="CuadroTexto 5">
@@ -24670,8 +24549,8 @@
           </p:sp>
         </mc:Fallback>
       </mc:AlternateContent>
-      <mc:AlternateContent xmlns:mc="http://schemas.openxmlformats.org/markup-compatibility/2006" xmlns:a14="http://schemas.microsoft.com/office/drawing/2010/main">
-        <mc:Choice Requires="a14">
+      <mc:AlternateContent xmlns:mc="http://schemas.openxmlformats.org/markup-compatibility/2006">
+        <mc:Choice xmlns:a14="http://schemas.microsoft.com/office/drawing/2010/main" Requires="a14">
           <p:sp>
             <p:nvSpPr>
               <p:cNvPr id="7" name="CuadroTexto 6">
@@ -24790,7 +24669,7 @@
             </p:txBody>
           </p:sp>
         </mc:Choice>
-        <mc:Fallback xmlns="">
+        <mc:Fallback>
           <p:sp>
             <p:nvSpPr>
               <p:cNvPr id="7" name="CuadroTexto 6">
@@ -24816,7 +24695,7 @@
               <a:blipFill>
                 <a:blip r:embed="rId4"/>
                 <a:stretch>
-                  <a:fillRect l="-2985" r="-5970" b="-7692"/>
+                  <a:fillRect l="-2985" r="-5970" b="-8791"/>
                 </a:stretch>
               </a:blipFill>
             </p:spPr>
@@ -24835,8 +24714,8 @@
           </p:sp>
         </mc:Fallback>
       </mc:AlternateContent>
-      <mc:AlternateContent xmlns:mc="http://schemas.openxmlformats.org/markup-compatibility/2006" xmlns:a14="http://schemas.microsoft.com/office/drawing/2010/main">
-        <mc:Choice Requires="a14">
+      <mc:AlternateContent xmlns:mc="http://schemas.openxmlformats.org/markup-compatibility/2006">
+        <mc:Choice xmlns:a14="http://schemas.microsoft.com/office/drawing/2010/main" Requires="a14">
           <p:sp>
             <p:nvSpPr>
               <p:cNvPr id="8" name="CuadroTexto 7">
@@ -25102,7 +24981,7 @@
             </p:txBody>
           </p:sp>
         </mc:Choice>
-        <mc:Fallback xmlns="">
+        <mc:Fallback>
           <p:sp>
             <p:nvSpPr>
               <p:cNvPr id="8" name="CuadroTexto 7">
@@ -25405,678 +25284,6 @@
 </file>
 
 <file path=ppt/slides/slide27.xml><?xml version="1.0" encoding="utf-8"?>
-<p:sld xmlns:a="http://schemas.openxmlformats.org/drawingml/2006/main" xmlns:r="http://schemas.openxmlformats.org/officeDocument/2006/relationships" xmlns:p="http://schemas.openxmlformats.org/presentationml/2006/main">
-  <p:cSld>
-    <p:spTree>
-      <p:nvGrpSpPr>
-        <p:cNvPr id="1" name=""/>
-        <p:cNvGrpSpPr/>
-        <p:nvPr/>
-      </p:nvGrpSpPr>
-      <p:grpSpPr>
-        <a:xfrm>
-          <a:off x="0" y="0"/>
-          <a:ext cx="0" cy="0"/>
-          <a:chOff x="0" y="0"/>
-          <a:chExt cx="0" cy="0"/>
-        </a:xfrm>
-      </p:grpSpPr>
-      <p:sp>
-        <p:nvSpPr>
-          <p:cNvPr id="2" name="Título 1">
-            <a:extLst>
-              <a:ext uri="{FF2B5EF4-FFF2-40B4-BE49-F238E27FC236}">
-                <a16:creationId xmlns:a16="http://schemas.microsoft.com/office/drawing/2014/main" id="{C84E1D6E-2423-4B0E-8167-06D853D2B4C2}"/>
-              </a:ext>
-            </a:extLst>
-          </p:cNvPr>
-          <p:cNvSpPr>
-            <a:spLocks noGrp="1"/>
-          </p:cNvSpPr>
-          <p:nvPr>
-            <p:ph type="title"/>
-          </p:nvPr>
-        </p:nvSpPr>
-        <p:spPr/>
-        <p:txBody>
-          <a:bodyPr/>
-          <a:lstStyle/>
-          <a:p>
-            <a:r>
-              <a:rPr lang="es-CO"/>
-              <a:t>Análisis Numérico del Proceso</a:t>
-            </a:r>
-          </a:p>
-        </p:txBody>
-      </p:sp>
-      <p:sp>
-        <p:nvSpPr>
-          <p:cNvPr id="3" name="Marcador de contenido 2">
-            <a:extLst>
-              <a:ext uri="{FF2B5EF4-FFF2-40B4-BE49-F238E27FC236}">
-                <a16:creationId xmlns:a16="http://schemas.microsoft.com/office/drawing/2014/main" id="{6125DBE6-9D83-4D1B-B511-9C63987FE381}"/>
-              </a:ext>
-            </a:extLst>
-          </p:cNvPr>
-          <p:cNvSpPr>
-            <a:spLocks noGrp="1"/>
-          </p:cNvSpPr>
-          <p:nvPr>
-            <p:ph idx="1"/>
-          </p:nvPr>
-        </p:nvSpPr>
-        <p:spPr>
-          <a:xfrm>
-            <a:off x="1181556" y="2129232"/>
-            <a:ext cx="10168128" cy="3694176"/>
-          </a:xfrm>
-        </p:spPr>
-        <p:txBody>
-          <a:bodyPr/>
-          <a:lstStyle/>
-          <a:p>
-            <a:r>
-              <a:rPr lang="es-CO" dirty="0"/>
-              <a:t>No hay ciclos ni comportamientos periódicos</a:t>
-            </a:r>
-          </a:p>
-        </p:txBody>
-      </p:sp>
-      <p:graphicFrame>
-        <p:nvGraphicFramePr>
-          <p:cNvPr id="4" name="Tabla 4">
-            <a:extLst>
-              <a:ext uri="{FF2B5EF4-FFF2-40B4-BE49-F238E27FC236}">
-                <a16:creationId xmlns:a16="http://schemas.microsoft.com/office/drawing/2014/main" id="{F0EA1EA6-7BD0-46A8-B4D8-C207F4B8343F}"/>
-              </a:ext>
-            </a:extLst>
-          </p:cNvPr>
-          <p:cNvGraphicFramePr>
-            <a:graphicFrameLocks noGrp="1"/>
-          </p:cNvGraphicFramePr>
-          <p:nvPr>
-            <p:extLst>
-              <p:ext uri="{D42A27DB-BD31-4B8C-83A1-F6EECF244321}">
-                <p14:modId xmlns:p14="http://schemas.microsoft.com/office/powerpoint/2010/main" val="3171321124"/>
-              </p:ext>
-            </p:extLst>
-          </p:nvPr>
-        </p:nvGraphicFramePr>
-        <p:xfrm>
-          <a:off x="1271905" y="2610366"/>
-          <a:ext cx="7950986" cy="4159125"/>
-        </p:xfrm>
-        <a:graphic>
-          <a:graphicData uri="http://schemas.openxmlformats.org/drawingml/2006/table">
-            <a:tbl>
-              <a:tblPr firstRow="1" bandRow="1">
-                <a:tableStyleId>{5C22544A-7EE6-4342-B048-85BDC9FD1C3A}</a:tableStyleId>
-              </a:tblPr>
-              <a:tblGrid>
-                <a:gridCol w="3975493">
-                  <a:extLst>
-                    <a:ext uri="{9D8B030D-6E8A-4147-A177-3AD203B41FA5}">
-                      <a16:colId xmlns:a16="http://schemas.microsoft.com/office/drawing/2014/main" val="1375160588"/>
-                    </a:ext>
-                  </a:extLst>
-                </a:gridCol>
-                <a:gridCol w="3975493">
-                  <a:extLst>
-                    <a:ext uri="{9D8B030D-6E8A-4147-A177-3AD203B41FA5}">
-                      <a16:colId xmlns:a16="http://schemas.microsoft.com/office/drawing/2014/main" val="3763929311"/>
-                    </a:ext>
-                  </a:extLst>
-                </a:gridCol>
-              </a:tblGrid>
-              <a:tr h="370840">
-                <a:tc>
-                  <a:txBody>
-                    <a:bodyPr/>
-                    <a:lstStyle/>
-                    <a:p>
-                      <a:r>
-                        <a:rPr lang="es-CO" dirty="0"/>
-                        <a:t>Caso</a:t>
-                      </a:r>
-                    </a:p>
-                  </a:txBody>
-                  <a:tcPr/>
-                </a:tc>
-                <a:tc>
-                  <a:txBody>
-                    <a:bodyPr/>
-                    <a:lstStyle/>
-                    <a:p>
-                      <a:r>
-                        <a:rPr lang="es-CO" dirty="0"/>
-                        <a:t>Clasificación punto critico</a:t>
-                      </a:r>
-                    </a:p>
-                  </a:txBody>
-                  <a:tcPr/>
-                </a:tc>
-                <a:extLst>
-                  <a:ext uri="{0D108BD9-81ED-4DB2-BD59-A6C34878D82A}">
-                    <a16:rowId xmlns:a16="http://schemas.microsoft.com/office/drawing/2014/main" val="2464282013"/>
-                  </a:ext>
-                </a:extLst>
-              </a:tr>
-              <a:tr h="370840">
-                <a:tc>
-                  <a:txBody>
-                    <a:bodyPr/>
-                    <a:lstStyle/>
-                    <a:p>
-                      <a:pPr algn="l" fontAlgn="b"/>
-                      <a:r>
-                        <a:rPr lang="es-CO" sz="1100" b="0" i="0" u="none" strike="noStrike" dirty="0">
-                          <a:solidFill>
-                            <a:srgbClr val="000000"/>
-                          </a:solidFill>
-                          <a:effectLst/>
-                          <a:latin typeface="Calibri" panose="020F0502020204030204" pitchFamily="34" charset="0"/>
-                        </a:rPr>
-                        <a:t>Caso 1</a:t>
-                      </a:r>
-                    </a:p>
-                  </a:txBody>
-                  <a:tcPr marL="7620" marR="7620" marT="7620" marB="0" anchor="b"/>
-                </a:tc>
-                <a:tc>
-                  <a:txBody>
-                    <a:bodyPr/>
-                    <a:lstStyle/>
-                    <a:p>
-                      <a:pPr algn="l" fontAlgn="b"/>
-                      <a:r>
-                        <a:rPr lang="es-CO" sz="1100" b="0" i="0" u="none" strike="noStrike">
-                          <a:solidFill>
-                            <a:srgbClr val="000000"/>
-                          </a:solidFill>
-                          <a:effectLst/>
-                          <a:latin typeface="Calibri" panose="020F0502020204030204" pitchFamily="34" charset="0"/>
-                        </a:rPr>
-                        <a:t>Clasificación estado</a:t>
-                      </a:r>
-                    </a:p>
-                  </a:txBody>
-                  <a:tcPr marL="7620" marR="7620" marT="7620" marB="0" anchor="b"/>
-                </a:tc>
-                <a:extLst>
-                  <a:ext uri="{0D108BD9-81ED-4DB2-BD59-A6C34878D82A}">
-                    <a16:rowId xmlns:a16="http://schemas.microsoft.com/office/drawing/2014/main" val="2915774818"/>
-                  </a:ext>
-                </a:extLst>
-              </a:tr>
-              <a:tr h="370840">
-                <a:tc>
-                  <a:txBody>
-                    <a:bodyPr/>
-                    <a:lstStyle/>
-                    <a:p>
-                      <a:pPr algn="l" fontAlgn="b"/>
-                      <a:r>
-                        <a:rPr lang="es-CO" sz="1100" b="0" i="0" u="none" strike="noStrike" dirty="0">
-                          <a:solidFill>
-                            <a:srgbClr val="000000"/>
-                          </a:solidFill>
-                          <a:effectLst/>
-                          <a:latin typeface="Calibri" panose="020F0502020204030204" pitchFamily="34" charset="0"/>
-                        </a:rPr>
-                        <a:t>Caso 3</a:t>
-                      </a:r>
-                    </a:p>
-                  </a:txBody>
-                  <a:tcPr marL="7620" marR="7620" marT="7620" marB="0" anchor="b"/>
-                </a:tc>
-                <a:tc>
-                  <a:txBody>
-                    <a:bodyPr/>
-                    <a:lstStyle/>
-                    <a:p>
-                      <a:pPr algn="l" fontAlgn="b"/>
-                      <a:r>
-                        <a:rPr lang="es-CO" sz="1100" b="0" i="0" u="none" strike="noStrike">
-                          <a:solidFill>
-                            <a:srgbClr val="000000"/>
-                          </a:solidFill>
-                          <a:effectLst/>
-                          <a:latin typeface="Calibri" panose="020F0502020204030204" pitchFamily="34" charset="0"/>
-                        </a:rPr>
-                        <a:t>Equilibrio semi estable</a:t>
-                      </a:r>
-                    </a:p>
-                  </a:txBody>
-                  <a:tcPr marL="7620" marR="7620" marT="7620" marB="0" anchor="b"/>
-                </a:tc>
-                <a:extLst>
-                  <a:ext uri="{0D108BD9-81ED-4DB2-BD59-A6C34878D82A}">
-                    <a16:rowId xmlns:a16="http://schemas.microsoft.com/office/drawing/2014/main" val="984096360"/>
-                  </a:ext>
-                </a:extLst>
-              </a:tr>
-              <a:tr h="370840">
-                <a:tc>
-                  <a:txBody>
-                    <a:bodyPr/>
-                    <a:lstStyle/>
-                    <a:p>
-                      <a:pPr algn="l" fontAlgn="b"/>
-                      <a:r>
-                        <a:rPr lang="es-CO" sz="1100" b="0" i="0" u="none" strike="noStrike">
-                          <a:solidFill>
-                            <a:srgbClr val="000000"/>
-                          </a:solidFill>
-                          <a:effectLst/>
-                          <a:latin typeface="Calibri" panose="020F0502020204030204" pitchFamily="34" charset="0"/>
-                        </a:rPr>
-                        <a:t>Caso 4</a:t>
-                      </a:r>
-                    </a:p>
-                  </a:txBody>
-                  <a:tcPr marL="7620" marR="7620" marT="7620" marB="0" anchor="b">
-                    <a:solidFill>
-                      <a:schemeClr val="accent2">
-                        <a:lumMod val="40000"/>
-                        <a:lumOff val="60000"/>
-                      </a:schemeClr>
-                    </a:solidFill>
-                  </a:tcPr>
-                </a:tc>
-                <a:tc>
-                  <a:txBody>
-                    <a:bodyPr/>
-                    <a:lstStyle/>
-                    <a:p>
-                      <a:pPr algn="l" fontAlgn="b"/>
-                      <a:r>
-                        <a:rPr lang="es-CO" sz="1100" b="0" i="0" u="none" strike="noStrike">
-                          <a:solidFill>
-                            <a:srgbClr val="000000"/>
-                          </a:solidFill>
-                          <a:effectLst/>
-                          <a:latin typeface="Calibri" panose="020F0502020204030204" pitchFamily="34" charset="0"/>
-                        </a:rPr>
-                        <a:t>Equilibrio inestable</a:t>
-                      </a:r>
-                    </a:p>
-                  </a:txBody>
-                  <a:tcPr marL="7620" marR="7620" marT="7620" marB="0" anchor="b">
-                    <a:solidFill>
-                      <a:schemeClr val="accent2">
-                        <a:lumMod val="40000"/>
-                        <a:lumOff val="60000"/>
-                      </a:schemeClr>
-                    </a:solidFill>
-                  </a:tcPr>
-                </a:tc>
-                <a:extLst>
-                  <a:ext uri="{0D108BD9-81ED-4DB2-BD59-A6C34878D82A}">
-                    <a16:rowId xmlns:a16="http://schemas.microsoft.com/office/drawing/2014/main" val="2984183025"/>
-                  </a:ext>
-                </a:extLst>
-              </a:tr>
-              <a:tr h="370840">
-                <a:tc>
-                  <a:txBody>
-                    <a:bodyPr/>
-                    <a:lstStyle/>
-                    <a:p>
-                      <a:pPr algn="l" fontAlgn="b"/>
-                      <a:r>
-                        <a:rPr lang="es-CO" sz="1100" b="0" i="0" u="none" strike="noStrike">
-                          <a:solidFill>
-                            <a:srgbClr val="000000"/>
-                          </a:solidFill>
-                          <a:effectLst/>
-                          <a:latin typeface="Calibri" panose="020F0502020204030204" pitchFamily="34" charset="0"/>
-                        </a:rPr>
-                        <a:t>Caso 4</a:t>
-                      </a:r>
-                    </a:p>
-                  </a:txBody>
-                  <a:tcPr marL="7620" marR="7620" marT="7620" marB="0" anchor="b">
-                    <a:solidFill>
-                      <a:schemeClr val="accent2">
-                        <a:lumMod val="40000"/>
-                        <a:lumOff val="60000"/>
-                      </a:schemeClr>
-                    </a:solidFill>
-                  </a:tcPr>
-                </a:tc>
-                <a:tc>
-                  <a:txBody>
-                    <a:bodyPr/>
-                    <a:lstStyle/>
-                    <a:p>
-                      <a:pPr algn="l" fontAlgn="b"/>
-                      <a:r>
-                        <a:rPr lang="es-CO" sz="1100" b="0" i="0" u="none" strike="noStrike" dirty="0">
-                          <a:solidFill>
-                            <a:srgbClr val="000000"/>
-                          </a:solidFill>
-                          <a:effectLst/>
-                          <a:latin typeface="Calibri" panose="020F0502020204030204" pitchFamily="34" charset="0"/>
-                        </a:rPr>
-                        <a:t>Equilibrio estable</a:t>
-                      </a:r>
-                    </a:p>
-                  </a:txBody>
-                  <a:tcPr marL="7620" marR="7620" marT="7620" marB="0" anchor="b">
-                    <a:solidFill>
-                      <a:schemeClr val="accent2">
-                        <a:lumMod val="40000"/>
-                        <a:lumOff val="60000"/>
-                      </a:schemeClr>
-                    </a:solidFill>
-                  </a:tcPr>
-                </a:tc>
-                <a:extLst>
-                  <a:ext uri="{0D108BD9-81ED-4DB2-BD59-A6C34878D82A}">
-                    <a16:rowId xmlns:a16="http://schemas.microsoft.com/office/drawing/2014/main" val="1507590915"/>
-                  </a:ext>
-                </a:extLst>
-              </a:tr>
-              <a:tr h="370840">
-                <a:tc>
-                  <a:txBody>
-                    <a:bodyPr/>
-                    <a:lstStyle/>
-                    <a:p>
-                      <a:pPr algn="l" fontAlgn="b"/>
-                      <a:r>
-                        <a:rPr lang="es-CO" sz="1100" b="0" i="0" u="none" strike="noStrike">
-                          <a:solidFill>
-                            <a:srgbClr val="000000"/>
-                          </a:solidFill>
-                          <a:effectLst/>
-                          <a:latin typeface="Calibri" panose="020F0502020204030204" pitchFamily="34" charset="0"/>
-                        </a:rPr>
-                        <a:t>Caso 5</a:t>
-                      </a:r>
-                    </a:p>
-                  </a:txBody>
-                  <a:tcPr marL="7620" marR="7620" marT="7620" marB="0" anchor="b"/>
-                </a:tc>
-                <a:tc>
-                  <a:txBody>
-                    <a:bodyPr/>
-                    <a:lstStyle/>
-                    <a:p>
-                      <a:pPr algn="l" fontAlgn="b"/>
-                      <a:r>
-                        <a:rPr lang="es-CO" sz="1100" b="0" i="0" u="none" strike="noStrike">
-                          <a:solidFill>
-                            <a:srgbClr val="000000"/>
-                          </a:solidFill>
-                          <a:effectLst/>
-                          <a:latin typeface="Calibri" panose="020F0502020204030204" pitchFamily="34" charset="0"/>
-                        </a:rPr>
-                        <a:t>Equilibrio semi estable</a:t>
-                      </a:r>
-                    </a:p>
-                  </a:txBody>
-                  <a:tcPr marL="7620" marR="7620" marT="7620" marB="0" anchor="b"/>
-                </a:tc>
-                <a:extLst>
-                  <a:ext uri="{0D108BD9-81ED-4DB2-BD59-A6C34878D82A}">
-                    <a16:rowId xmlns:a16="http://schemas.microsoft.com/office/drawing/2014/main" val="3515457072"/>
-                  </a:ext>
-                </a:extLst>
-              </a:tr>
-              <a:tr h="370840">
-                <a:tc>
-                  <a:txBody>
-                    <a:bodyPr/>
-                    <a:lstStyle/>
-                    <a:p>
-                      <a:pPr algn="l" fontAlgn="b"/>
-                      <a:r>
-                        <a:rPr lang="es-CO" sz="1100" b="0" i="0" u="none" strike="noStrike" dirty="0">
-                          <a:solidFill>
-                            <a:srgbClr val="000000"/>
-                          </a:solidFill>
-                          <a:effectLst/>
-                          <a:latin typeface="Calibri" panose="020F0502020204030204" pitchFamily="34" charset="0"/>
-                        </a:rPr>
-                        <a:t>Caso 9</a:t>
-                      </a:r>
-                    </a:p>
-                  </a:txBody>
-                  <a:tcPr marL="7620" marR="7620" marT="7620" marB="0" anchor="b"/>
-                </a:tc>
-                <a:tc>
-                  <a:txBody>
-                    <a:bodyPr/>
-                    <a:lstStyle/>
-                    <a:p>
-                      <a:pPr algn="l" fontAlgn="b"/>
-                      <a:r>
-                        <a:rPr lang="es-CO" sz="1100" b="0" i="0" u="none" strike="noStrike">
-                          <a:solidFill>
-                            <a:srgbClr val="000000"/>
-                          </a:solidFill>
-                          <a:effectLst/>
-                          <a:latin typeface="Calibri" panose="020F0502020204030204" pitchFamily="34" charset="0"/>
-                        </a:rPr>
-                        <a:t>Equilibrio semi estable</a:t>
-                      </a:r>
-                    </a:p>
-                  </a:txBody>
-                  <a:tcPr marL="7620" marR="7620" marT="7620" marB="0" anchor="b"/>
-                </a:tc>
-                <a:extLst>
-                  <a:ext uri="{0D108BD9-81ED-4DB2-BD59-A6C34878D82A}">
-                    <a16:rowId xmlns:a16="http://schemas.microsoft.com/office/drawing/2014/main" val="4265949406"/>
-                  </a:ext>
-                </a:extLst>
-              </a:tr>
-              <a:tr h="450725">
-                <a:tc>
-                  <a:txBody>
-                    <a:bodyPr/>
-                    <a:lstStyle/>
-                    <a:p>
-                      <a:pPr algn="l" fontAlgn="b"/>
-                      <a:r>
-                        <a:rPr lang="es-CO" sz="1100" b="0" i="0" u="none" strike="noStrike">
-                          <a:solidFill>
-                            <a:srgbClr val="000000"/>
-                          </a:solidFill>
-                          <a:effectLst/>
-                          <a:latin typeface="Calibri" panose="020F0502020204030204" pitchFamily="34" charset="0"/>
-                        </a:rPr>
-                        <a:t>Caso 10</a:t>
-                      </a:r>
-                    </a:p>
-                  </a:txBody>
-                  <a:tcPr marL="7620" marR="7620" marT="7620" marB="0" anchor="b"/>
-                </a:tc>
-                <a:tc>
-                  <a:txBody>
-                    <a:bodyPr/>
-                    <a:lstStyle/>
-                    <a:p>
-                      <a:pPr algn="l" fontAlgn="b"/>
-                      <a:r>
-                        <a:rPr lang="es-CO" sz="1100" b="0" i="0" u="none" strike="noStrike" dirty="0">
-                          <a:solidFill>
-                            <a:srgbClr val="000000"/>
-                          </a:solidFill>
-                          <a:effectLst/>
-                          <a:latin typeface="Calibri" panose="020F0502020204030204" pitchFamily="34" charset="0"/>
-                        </a:rPr>
-                        <a:t>Equilibrio inestable</a:t>
-                      </a:r>
-                    </a:p>
-                  </a:txBody>
-                  <a:tcPr marL="7620" marR="7620" marT="7620" marB="0" anchor="b"/>
-                </a:tc>
-                <a:extLst>
-                  <a:ext uri="{0D108BD9-81ED-4DB2-BD59-A6C34878D82A}">
-                    <a16:rowId xmlns:a16="http://schemas.microsoft.com/office/drawing/2014/main" val="545609605"/>
-                  </a:ext>
-                </a:extLst>
-              </a:tr>
-              <a:tr h="370840">
-                <a:tc>
-                  <a:txBody>
-                    <a:bodyPr/>
-                    <a:lstStyle/>
-                    <a:p>
-                      <a:pPr algn="l" fontAlgn="b"/>
-                      <a:r>
-                        <a:rPr lang="es-CO" sz="1100" b="0" i="0" u="none" strike="noStrike" dirty="0">
-                          <a:solidFill>
-                            <a:srgbClr val="000000"/>
-                          </a:solidFill>
-                          <a:effectLst/>
-                          <a:latin typeface="Calibri" panose="020F0502020204030204" pitchFamily="34" charset="0"/>
-                        </a:rPr>
-                        <a:t>Caso 11</a:t>
-                      </a:r>
-                    </a:p>
-                  </a:txBody>
-                  <a:tcPr marL="7620" marR="7620" marT="7620" marB="0" anchor="b"/>
-                </a:tc>
-                <a:tc>
-                  <a:txBody>
-                    <a:bodyPr/>
-                    <a:lstStyle/>
-                    <a:p>
-                      <a:pPr algn="l" fontAlgn="b"/>
-                      <a:r>
-                        <a:rPr lang="es-CO" sz="1100" b="0" i="0" u="none" strike="noStrike">
-                          <a:solidFill>
-                            <a:srgbClr val="000000"/>
-                          </a:solidFill>
-                          <a:effectLst/>
-                          <a:latin typeface="Calibri" panose="020F0502020204030204" pitchFamily="34" charset="0"/>
-                        </a:rPr>
-                        <a:t>Equilibrio inestable</a:t>
-                      </a:r>
-                    </a:p>
-                  </a:txBody>
-                  <a:tcPr marL="7620" marR="7620" marT="7620" marB="0" anchor="b"/>
-                </a:tc>
-                <a:extLst>
-                  <a:ext uri="{0D108BD9-81ED-4DB2-BD59-A6C34878D82A}">
-                    <a16:rowId xmlns:a16="http://schemas.microsoft.com/office/drawing/2014/main" val="2723974440"/>
-                  </a:ext>
-                </a:extLst>
-              </a:tr>
-              <a:tr h="370840">
-                <a:tc>
-                  <a:txBody>
-                    <a:bodyPr/>
-                    <a:lstStyle/>
-                    <a:p>
-                      <a:pPr algn="l" fontAlgn="b"/>
-                      <a:r>
-                        <a:rPr lang="es-CO" sz="1100" b="0" i="0" u="none" strike="noStrike" dirty="0">
-                          <a:solidFill>
-                            <a:srgbClr val="000000"/>
-                          </a:solidFill>
-                          <a:effectLst/>
-                          <a:latin typeface="Calibri" panose="020F0502020204030204" pitchFamily="34" charset="0"/>
-                        </a:rPr>
-                        <a:t>Caso 13</a:t>
-                      </a:r>
-                    </a:p>
-                  </a:txBody>
-                  <a:tcPr marL="7620" marR="7620" marT="7620" marB="0" anchor="b"/>
-                </a:tc>
-                <a:tc>
-                  <a:txBody>
-                    <a:bodyPr/>
-                    <a:lstStyle/>
-                    <a:p>
-                      <a:pPr algn="l" fontAlgn="b"/>
-                      <a:r>
-                        <a:rPr lang="es-CO" sz="1100" b="0" i="0" u="none" strike="noStrike" dirty="0">
-                          <a:solidFill>
-                            <a:srgbClr val="000000"/>
-                          </a:solidFill>
-                          <a:effectLst/>
-                          <a:latin typeface="Calibri" panose="020F0502020204030204" pitchFamily="34" charset="0"/>
-                        </a:rPr>
-                        <a:t>Equilibrio inestable</a:t>
-                      </a:r>
-                    </a:p>
-                  </a:txBody>
-                  <a:tcPr marL="7620" marR="7620" marT="7620" marB="0" anchor="b"/>
-                </a:tc>
-                <a:extLst>
-                  <a:ext uri="{0D108BD9-81ED-4DB2-BD59-A6C34878D82A}">
-                    <a16:rowId xmlns:a16="http://schemas.microsoft.com/office/drawing/2014/main" val="3002181831"/>
-                  </a:ext>
-                </a:extLst>
-              </a:tr>
-              <a:tr h="370840">
-                <a:tc>
-                  <a:txBody>
-                    <a:bodyPr/>
-                    <a:lstStyle/>
-                    <a:p>
-                      <a:pPr algn="l" fontAlgn="b"/>
-                      <a:r>
-                        <a:rPr lang="es-CO" sz="1100" b="0" i="0" u="none" strike="noStrike" dirty="0">
-                          <a:solidFill>
-                            <a:srgbClr val="000000"/>
-                          </a:solidFill>
-                          <a:effectLst/>
-                          <a:latin typeface="Calibri" panose="020F0502020204030204" pitchFamily="34" charset="0"/>
-                        </a:rPr>
-                        <a:t>Caso 14</a:t>
-                      </a:r>
-                    </a:p>
-                  </a:txBody>
-                  <a:tcPr marL="7620" marR="7620" marT="7620" marB="0" anchor="b"/>
-                </a:tc>
-                <a:tc>
-                  <a:txBody>
-                    <a:bodyPr/>
-                    <a:lstStyle/>
-                    <a:p>
-                      <a:pPr algn="l" fontAlgn="b"/>
-                      <a:r>
-                        <a:rPr lang="es-CO" sz="1100" b="0" i="0" u="none" strike="noStrike" dirty="0">
-                          <a:solidFill>
-                            <a:srgbClr val="000000"/>
-                          </a:solidFill>
-                          <a:effectLst/>
-                          <a:latin typeface="Calibri" panose="020F0502020204030204" pitchFamily="34" charset="0"/>
-                        </a:rPr>
-                        <a:t>Equilibrio inestable</a:t>
-                      </a:r>
-                    </a:p>
-                  </a:txBody>
-                  <a:tcPr marL="7620" marR="7620" marT="7620" marB="0" anchor="b"/>
-                </a:tc>
-                <a:extLst>
-                  <a:ext uri="{0D108BD9-81ED-4DB2-BD59-A6C34878D82A}">
-                    <a16:rowId xmlns:a16="http://schemas.microsoft.com/office/drawing/2014/main" val="2095254078"/>
-                  </a:ext>
-                </a:extLst>
-              </a:tr>
-            </a:tbl>
-          </a:graphicData>
-        </a:graphic>
-      </p:graphicFrame>
-    </p:spTree>
-    <p:extLst>
-      <p:ext uri="{BB962C8B-B14F-4D97-AF65-F5344CB8AC3E}">
-        <p14:creationId xmlns:p14="http://schemas.microsoft.com/office/powerpoint/2010/main" val="1957348422"/>
-      </p:ext>
-    </p:extLst>
-  </p:cSld>
-  <p:clrMapOvr>
-    <a:masterClrMapping/>
-  </p:clrMapOvr>
-</p:sld>
-</file>
-
-<file path=ppt/slides/slide28.xml><?xml version="1.0" encoding="utf-8"?>
 <p:sld xmlns:a="http://schemas.openxmlformats.org/drawingml/2006/main" xmlns:r="http://schemas.openxmlformats.org/officeDocument/2006/relationships" xmlns:p="http://schemas.openxmlformats.org/presentationml/2006/main">
   <p:cSld>
     <p:bg>
@@ -26528,10 +25735,9 @@
           <a:lstStyle/>
           <a:p>
             <a:r>
-              <a:rPr lang="es-CO" dirty="0"/>
-              <a:t>Análisis otros valores</a:t>
-            </a:r>
-            <a:endParaRPr lang="es-CO"/>
+              <a:rPr lang="es-CO"/>
+              <a:t>Análisis numérico del proceso</a:t>
+            </a:r>
           </a:p>
         </p:txBody>
       </p:sp>
@@ -26769,12 +25975,12 @@
                     <a:p>
                       <a:pPr algn="l" fontAlgn="b"/>
                       <a:r>
-                        <a:rPr lang="es-CO" sz="2000" u="none" strike="noStrike" dirty="0">
+                        <a:rPr lang="es-CO" sz="2000" u="none" strike="noStrike">
                           <a:effectLst/>
                         </a:rPr>
                         <a:t>Longitud trayectoria</a:t>
                       </a:r>
-                      <a:endParaRPr lang="es-CO" sz="2000" b="0" i="0" u="none" strike="noStrike" dirty="0">
+                      <a:endParaRPr lang="es-CO" sz="2000" b="0" i="0" u="none" strike="noStrike">
                         <a:solidFill>
                           <a:srgbClr val="000000"/>
                         </a:solidFill>
@@ -26792,12 +25998,12 @@
                     <a:p>
                       <a:pPr algn="l" fontAlgn="b"/>
                       <a:r>
-                        <a:rPr lang="es-CO" sz="2000" u="none" strike="noStrike" dirty="0">
+                        <a:rPr lang="es-CO" sz="2000" u="none" strike="noStrike">
                           <a:effectLst/>
                         </a:rPr>
                         <a:t>Distancia final a meta</a:t>
                       </a:r>
-                      <a:endParaRPr lang="es-CO" sz="2000" b="0" i="0" u="none" strike="noStrike" dirty="0">
+                      <a:endParaRPr lang="es-CO" sz="2000" b="0" i="0" u="none" strike="noStrike">
                         <a:solidFill>
                           <a:srgbClr val="000000"/>
                         </a:solidFill>
@@ -26815,12 +26021,12 @@
                     <a:p>
                       <a:pPr algn="l" fontAlgn="b"/>
                       <a:r>
-                        <a:rPr lang="es-CO" sz="2000" u="none" strike="noStrike" dirty="0">
+                        <a:rPr lang="es-CO" sz="2000" u="none" strike="noStrike">
                           <a:effectLst/>
                         </a:rPr>
                         <a:t>Longitud trayectoria</a:t>
                       </a:r>
-                      <a:endParaRPr lang="es-CO" sz="2000" b="0" i="0" u="none" strike="noStrike" dirty="0">
+                      <a:endParaRPr lang="es-CO" sz="2000" b="0" i="0" u="none" strike="noStrike">
                         <a:solidFill>
                           <a:srgbClr val="000000"/>
                         </a:solidFill>
@@ -26838,12 +26044,12 @@
                     <a:p>
                       <a:pPr algn="l" fontAlgn="b"/>
                       <a:r>
-                        <a:rPr lang="es-CO" sz="2000" u="none" strike="noStrike" dirty="0">
+                        <a:rPr lang="es-CO" sz="2000" u="none" strike="noStrike">
                           <a:effectLst/>
                         </a:rPr>
                         <a:t>Distancia final a meta</a:t>
                       </a:r>
-                      <a:endParaRPr lang="es-CO" sz="2000" b="0" i="0" u="none" strike="noStrike" dirty="0">
+                      <a:endParaRPr lang="es-CO" sz="2000" b="0" i="0" u="none" strike="noStrike">
                         <a:solidFill>
                           <a:srgbClr val="000000"/>
                         </a:solidFill>
@@ -26937,12 +26143,12 @@
                     <a:p>
                       <a:pPr algn="r" fontAlgn="b"/>
                       <a:r>
-                        <a:rPr lang="es-CO" sz="2000" u="none" strike="noStrike" dirty="0">
+                        <a:rPr lang="es-CO" sz="2000" u="none" strike="noStrike">
                           <a:effectLst/>
                         </a:rPr>
                         <a:t>1.71531926</a:t>
                       </a:r>
-                      <a:endParaRPr lang="es-CO" sz="2000" b="0" i="0" u="none" strike="noStrike" dirty="0">
+                      <a:endParaRPr lang="es-CO" sz="2000" b="0" i="0" u="none" strike="noStrike">
                         <a:solidFill>
                           <a:srgbClr val="000000"/>
                         </a:solidFill>
@@ -26992,8 +26198,207 @@
           <a:lstStyle/>
           <a:p>
             <a:r>
-              <a:rPr lang="es-CO" sz="1400" dirty="0"/>
+              <a:rPr lang="es-CO" sz="1400"/>
               <a:t>Valores promedio entre todos los casos evaluados*</a:t>
+            </a:r>
+          </a:p>
+        </p:txBody>
+      </p:sp>
+      <p:sp>
+        <p:nvSpPr>
+          <p:cNvPr id="10" name="Marcador de contenido 2">
+            <a:extLst>
+              <a:ext uri="{FF2B5EF4-FFF2-40B4-BE49-F238E27FC236}">
+                <a16:creationId xmlns:a16="http://schemas.microsoft.com/office/drawing/2014/main" id="{1E2EB093-8E3B-47F6-9D66-2D56BC331D25}"/>
+              </a:ext>
+            </a:extLst>
+          </p:cNvPr>
+          <p:cNvSpPr txBox="1">
+            <a:spLocks/>
+          </p:cNvSpPr>
+          <p:nvPr/>
+        </p:nvSpPr>
+        <p:spPr>
+          <a:xfrm>
+            <a:off x="4846319" y="1586484"/>
+            <a:ext cx="7051767" cy="3694176"/>
+          </a:xfrm>
+          <a:prstGeom prst="rect">
+            <a:avLst/>
+          </a:prstGeom>
+        </p:spPr>
+        <p:txBody>
+          <a:bodyPr vert="horz" lIns="91440" tIns="45720" rIns="91440" bIns="45720" rtlCol="0">
+            <a:normAutofit/>
+          </a:bodyPr>
+          <a:lstStyle>
+            <a:lvl1pPr marL="228600" indent="-228600" algn="l" defTabSz="914400" rtl="0" eaLnBrk="1" latinLnBrk="0" hangingPunct="1">
+              <a:lnSpc>
+                <a:spcPct val="110000"/>
+              </a:lnSpc>
+              <a:spcBef>
+                <a:spcPts val="1000"/>
+              </a:spcBef>
+              <a:buFont typeface="Arial" panose="020B0604020202020204" pitchFamily="34" charset="0"/>
+              <a:buChar char="•"/>
+              <a:defRPr sz="2400" kern="1200">
+                <a:solidFill>
+                  <a:schemeClr val="tx1"/>
+                </a:solidFill>
+                <a:latin typeface="+mn-lt"/>
+                <a:ea typeface="+mn-ea"/>
+                <a:cs typeface="+mn-cs"/>
+              </a:defRPr>
+            </a:lvl1pPr>
+            <a:lvl2pPr marL="685800" indent="-228600" algn="l" defTabSz="914400" rtl="0" eaLnBrk="1" latinLnBrk="0" hangingPunct="1">
+              <a:lnSpc>
+                <a:spcPct val="110000"/>
+              </a:lnSpc>
+              <a:spcBef>
+                <a:spcPts val="500"/>
+              </a:spcBef>
+              <a:buFont typeface="Arial" panose="020B0604020202020204" pitchFamily="34" charset="0"/>
+              <a:buChar char="•"/>
+              <a:defRPr sz="2000" kern="1200">
+                <a:solidFill>
+                  <a:schemeClr val="tx1"/>
+                </a:solidFill>
+                <a:latin typeface="+mn-lt"/>
+                <a:ea typeface="+mn-ea"/>
+                <a:cs typeface="+mn-cs"/>
+              </a:defRPr>
+            </a:lvl2pPr>
+            <a:lvl3pPr marL="1143000" indent="-228600" algn="l" defTabSz="914400" rtl="0" eaLnBrk="1" latinLnBrk="0" hangingPunct="1">
+              <a:lnSpc>
+                <a:spcPct val="110000"/>
+              </a:lnSpc>
+              <a:spcBef>
+                <a:spcPts val="500"/>
+              </a:spcBef>
+              <a:buFont typeface="Arial" panose="020B0604020202020204" pitchFamily="34" charset="0"/>
+              <a:buChar char="•"/>
+              <a:defRPr sz="1800" kern="1200">
+                <a:solidFill>
+                  <a:schemeClr val="tx1"/>
+                </a:solidFill>
+                <a:latin typeface="+mn-lt"/>
+                <a:ea typeface="+mn-ea"/>
+                <a:cs typeface="+mn-cs"/>
+              </a:defRPr>
+            </a:lvl3pPr>
+            <a:lvl4pPr marL="1600200" indent="-228600" algn="l" defTabSz="914400" rtl="0" eaLnBrk="1" latinLnBrk="0" hangingPunct="1">
+              <a:lnSpc>
+                <a:spcPct val="110000"/>
+              </a:lnSpc>
+              <a:spcBef>
+                <a:spcPts val="500"/>
+              </a:spcBef>
+              <a:buFont typeface="Arial" panose="020B0604020202020204" pitchFamily="34" charset="0"/>
+              <a:buChar char="•"/>
+              <a:defRPr sz="1600" kern="1200">
+                <a:solidFill>
+                  <a:schemeClr val="tx1"/>
+                </a:solidFill>
+                <a:latin typeface="+mn-lt"/>
+                <a:ea typeface="+mn-ea"/>
+                <a:cs typeface="+mn-cs"/>
+              </a:defRPr>
+            </a:lvl4pPr>
+            <a:lvl5pPr marL="2057400" indent="-228600" algn="l" defTabSz="914400" rtl="0" eaLnBrk="1" latinLnBrk="0" hangingPunct="1">
+              <a:lnSpc>
+                <a:spcPct val="110000"/>
+              </a:lnSpc>
+              <a:spcBef>
+                <a:spcPts val="500"/>
+              </a:spcBef>
+              <a:buFont typeface="Arial" panose="020B0604020202020204" pitchFamily="34" charset="0"/>
+              <a:buChar char="•"/>
+              <a:defRPr sz="1600" kern="1200">
+                <a:solidFill>
+                  <a:schemeClr val="tx1"/>
+                </a:solidFill>
+                <a:latin typeface="+mn-lt"/>
+                <a:ea typeface="+mn-ea"/>
+                <a:cs typeface="+mn-cs"/>
+              </a:defRPr>
+            </a:lvl5pPr>
+            <a:lvl6pPr marL="2514600" indent="-228600" algn="l" defTabSz="914400" rtl="0" eaLnBrk="1" latinLnBrk="0" hangingPunct="1">
+              <a:lnSpc>
+                <a:spcPct val="90000"/>
+              </a:lnSpc>
+              <a:spcBef>
+                <a:spcPts val="500"/>
+              </a:spcBef>
+              <a:buFont typeface="Arial" panose="020B0604020202020204" pitchFamily="34" charset="0"/>
+              <a:buChar char="•"/>
+              <a:defRPr sz="1800" kern="1200">
+                <a:solidFill>
+                  <a:schemeClr val="tx1"/>
+                </a:solidFill>
+                <a:latin typeface="+mn-lt"/>
+                <a:ea typeface="+mn-ea"/>
+                <a:cs typeface="+mn-cs"/>
+              </a:defRPr>
+            </a:lvl6pPr>
+            <a:lvl7pPr marL="2971800" indent="-228600" algn="l" defTabSz="914400" rtl="0" eaLnBrk="1" latinLnBrk="0" hangingPunct="1">
+              <a:lnSpc>
+                <a:spcPct val="90000"/>
+              </a:lnSpc>
+              <a:spcBef>
+                <a:spcPts val="500"/>
+              </a:spcBef>
+              <a:buFont typeface="Arial" panose="020B0604020202020204" pitchFamily="34" charset="0"/>
+              <a:buChar char="•"/>
+              <a:defRPr sz="1800" kern="1200">
+                <a:solidFill>
+                  <a:schemeClr val="tx1"/>
+                </a:solidFill>
+                <a:latin typeface="+mn-lt"/>
+                <a:ea typeface="+mn-ea"/>
+                <a:cs typeface="+mn-cs"/>
+              </a:defRPr>
+            </a:lvl7pPr>
+            <a:lvl8pPr marL="3429000" indent="-228600" algn="l" defTabSz="914400" rtl="0" eaLnBrk="1" latinLnBrk="0" hangingPunct="1">
+              <a:lnSpc>
+                <a:spcPct val="90000"/>
+              </a:lnSpc>
+              <a:spcBef>
+                <a:spcPts val="500"/>
+              </a:spcBef>
+              <a:buFont typeface="Arial" panose="020B0604020202020204" pitchFamily="34" charset="0"/>
+              <a:buChar char="•"/>
+              <a:defRPr sz="1800" kern="1200">
+                <a:solidFill>
+                  <a:schemeClr val="tx1"/>
+                </a:solidFill>
+                <a:latin typeface="+mn-lt"/>
+                <a:ea typeface="+mn-ea"/>
+                <a:cs typeface="+mn-cs"/>
+              </a:defRPr>
+            </a:lvl8pPr>
+            <a:lvl9pPr marL="3886200" indent="-228600" algn="l" defTabSz="914400" rtl="0" eaLnBrk="1" latinLnBrk="0" hangingPunct="1">
+              <a:lnSpc>
+                <a:spcPct val="90000"/>
+              </a:lnSpc>
+              <a:spcBef>
+                <a:spcPts val="500"/>
+              </a:spcBef>
+              <a:buFont typeface="Arial" panose="020B0604020202020204" pitchFamily="34" charset="0"/>
+              <a:buChar char="•"/>
+              <a:defRPr sz="1800" kern="1200">
+                <a:solidFill>
+                  <a:schemeClr val="tx1"/>
+                </a:solidFill>
+                <a:latin typeface="+mn-lt"/>
+                <a:ea typeface="+mn-ea"/>
+                <a:cs typeface="+mn-cs"/>
+              </a:defRPr>
+            </a:lvl9pPr>
+          </a:lstStyle>
+          <a:p>
+            <a:r>
+              <a:rPr lang="es-CO"/>
+              <a:t>No hay ciclos ni comportamientos periódicos</a:t>
             </a:r>
           </a:p>
         </p:txBody>
@@ -27011,7 +26416,7 @@
 </p:sld>
 </file>
 
-<file path=ppt/slides/slide29.xml><?xml version="1.0" encoding="utf-8"?>
+<file path=ppt/slides/slide28.xml><?xml version="1.0" encoding="utf-8"?>
 <p:sld xmlns:a="http://schemas.openxmlformats.org/drawingml/2006/main" xmlns:r="http://schemas.openxmlformats.org/officeDocument/2006/relationships" xmlns:p="http://schemas.openxmlformats.org/presentationml/2006/main">
   <p:cSld>
     <p:spTree>
@@ -27431,6 +26836,132 @@
 </p:sld>
 </file>
 
+<file path=ppt/slides/slide29.xml><?xml version="1.0" encoding="utf-8"?>
+<p:sld xmlns:a="http://schemas.openxmlformats.org/drawingml/2006/main" xmlns:r="http://schemas.openxmlformats.org/officeDocument/2006/relationships" xmlns:p="http://schemas.openxmlformats.org/presentationml/2006/main">
+  <p:cSld>
+    <p:spTree>
+      <p:nvGrpSpPr>
+        <p:cNvPr id="1" name=""/>
+        <p:cNvGrpSpPr/>
+        <p:nvPr/>
+      </p:nvGrpSpPr>
+      <p:grpSpPr>
+        <a:xfrm>
+          <a:off x="0" y="0"/>
+          <a:ext cx="0" cy="0"/>
+          <a:chOff x="0" y="0"/>
+          <a:chExt cx="0" cy="0"/>
+        </a:xfrm>
+      </p:grpSpPr>
+      <p:sp>
+        <p:nvSpPr>
+          <p:cNvPr id="2" name="Título 1">
+            <a:extLst>
+              <a:ext uri="{FF2B5EF4-FFF2-40B4-BE49-F238E27FC236}">
+                <a16:creationId xmlns:a16="http://schemas.microsoft.com/office/drawing/2014/main" id="{B99D8B99-A80A-49F4-9E10-FA53C5767121}"/>
+              </a:ext>
+            </a:extLst>
+          </p:cNvPr>
+          <p:cNvSpPr>
+            <a:spLocks noGrp="1"/>
+          </p:cNvSpPr>
+          <p:nvPr>
+            <p:ph type="title"/>
+          </p:nvPr>
+        </p:nvSpPr>
+        <p:spPr/>
+        <p:txBody>
+          <a:bodyPr/>
+          <a:lstStyle/>
+          <a:p>
+            <a:r>
+              <a:rPr lang="es-CO"/>
+              <a:t>Recomendaciones</a:t>
+            </a:r>
+          </a:p>
+        </p:txBody>
+      </p:sp>
+      <p:sp>
+        <p:nvSpPr>
+          <p:cNvPr id="3" name="Marcador de contenido 2">
+            <a:extLst>
+              <a:ext uri="{FF2B5EF4-FFF2-40B4-BE49-F238E27FC236}">
+                <a16:creationId xmlns:a16="http://schemas.microsoft.com/office/drawing/2014/main" id="{49380FC7-09AB-4C09-921B-DC348BD5B3AC}"/>
+              </a:ext>
+            </a:extLst>
+          </p:cNvPr>
+          <p:cNvSpPr>
+            <a:spLocks noGrp="1"/>
+          </p:cNvSpPr>
+          <p:nvPr>
+            <p:ph idx="1"/>
+          </p:nvPr>
+        </p:nvSpPr>
+        <p:spPr/>
+        <p:txBody>
+          <a:bodyPr>
+            <a:normAutofit fontScale="92500" lnSpcReduction="20000"/>
+          </a:bodyPr>
+          <a:lstStyle/>
+          <a:p>
+            <a:r>
+              <a:rPr lang="es-CO"/>
+              <a:t>Usar Adams-</a:t>
+            </a:r>
+            <a:r>
+              <a:rPr lang="es-CO" err="1"/>
+              <a:t>Bashforth</a:t>
+            </a:r>
+            <a:r>
+              <a:rPr lang="es-CO"/>
+              <a:t> en lugar de Euler.</a:t>
+            </a:r>
+          </a:p>
+          <a:p>
+            <a:r>
+              <a:rPr lang="es-CO"/>
+              <a:t>Para cada aplicación, hacer pruebas para determinar los valores de c y f óptimos.</a:t>
+            </a:r>
+          </a:p>
+          <a:p>
+            <a:r>
+              <a:rPr lang="es-CO"/>
+              <a:t>No utilizar valores de c demasiado grandes.</a:t>
+            </a:r>
+          </a:p>
+          <a:p>
+            <a:r>
+              <a:rPr lang="es-CO"/>
+              <a:t>Evitar atascamiento. Modificar algoritmo para intentar desatascarlo.</a:t>
+            </a:r>
+          </a:p>
+          <a:p>
+            <a:r>
+              <a:rPr lang="es-CO"/>
+              <a:t>No usar para aplicaciones en las que se necesite llegar exactamente a la meta.</a:t>
+            </a:r>
+          </a:p>
+          <a:p>
+            <a:r>
+              <a:rPr lang="es-CO"/>
+              <a:t>No siempre va a ser óptimo. Puede ser útil para simular comportamiento de humanos.</a:t>
+            </a:r>
+          </a:p>
+        </p:txBody>
+      </p:sp>
+    </p:spTree>
+    <p:extLst>
+      <p:ext uri="{BB962C8B-B14F-4D97-AF65-F5344CB8AC3E}">
+        <p14:creationId xmlns:p14="http://schemas.microsoft.com/office/powerpoint/2010/main" val="201042613"/>
+      </p:ext>
+    </p:extLst>
+  </p:cSld>
+  <p:clrMapOvr>
+    <a:masterClrMapping/>
+  </p:clrMapOvr>
+</p:sld>
+</file>
+
 <file path=ppt/slides/slide3.xml><?xml version="1.0" encoding="utf-8"?>
 <p:sld xmlns:a="http://schemas.openxmlformats.org/drawingml/2006/main" xmlns:r="http://schemas.openxmlformats.org/officeDocument/2006/relationships" xmlns:p="http://schemas.openxmlformats.org/presentationml/2006/main">
   <p:cSld>
@@ -27602,132 +27133,6 @@
       </p:grpSpPr>
       <p:sp>
         <p:nvSpPr>
-          <p:cNvPr id="2" name="Título 1">
-            <a:extLst>
-              <a:ext uri="{FF2B5EF4-FFF2-40B4-BE49-F238E27FC236}">
-                <a16:creationId xmlns:a16="http://schemas.microsoft.com/office/drawing/2014/main" id="{B99D8B99-A80A-49F4-9E10-FA53C5767121}"/>
-              </a:ext>
-            </a:extLst>
-          </p:cNvPr>
-          <p:cNvSpPr>
-            <a:spLocks noGrp="1"/>
-          </p:cNvSpPr>
-          <p:nvPr>
-            <p:ph type="title"/>
-          </p:nvPr>
-        </p:nvSpPr>
-        <p:spPr/>
-        <p:txBody>
-          <a:bodyPr/>
-          <a:lstStyle/>
-          <a:p>
-            <a:r>
-              <a:rPr lang="es-CO"/>
-              <a:t>Recomendaciones</a:t>
-            </a:r>
-          </a:p>
-        </p:txBody>
-      </p:sp>
-      <p:sp>
-        <p:nvSpPr>
-          <p:cNvPr id="3" name="Marcador de contenido 2">
-            <a:extLst>
-              <a:ext uri="{FF2B5EF4-FFF2-40B4-BE49-F238E27FC236}">
-                <a16:creationId xmlns:a16="http://schemas.microsoft.com/office/drawing/2014/main" id="{49380FC7-09AB-4C09-921B-DC348BD5B3AC}"/>
-              </a:ext>
-            </a:extLst>
-          </p:cNvPr>
-          <p:cNvSpPr>
-            <a:spLocks noGrp="1"/>
-          </p:cNvSpPr>
-          <p:nvPr>
-            <p:ph idx="1"/>
-          </p:nvPr>
-        </p:nvSpPr>
-        <p:spPr/>
-        <p:txBody>
-          <a:bodyPr>
-            <a:normAutofit fontScale="92500" lnSpcReduction="20000"/>
-          </a:bodyPr>
-          <a:lstStyle/>
-          <a:p>
-            <a:r>
-              <a:rPr lang="es-CO" dirty="0"/>
-              <a:t>Usar Adams-</a:t>
-            </a:r>
-            <a:r>
-              <a:rPr lang="es-CO" dirty="0" err="1"/>
-              <a:t>Bashforth</a:t>
-            </a:r>
-            <a:r>
-              <a:rPr lang="es-CO" dirty="0"/>
-              <a:t> en lugar de Euler.</a:t>
-            </a:r>
-          </a:p>
-          <a:p>
-            <a:r>
-              <a:rPr lang="es-CO" dirty="0"/>
-              <a:t>Para cada aplicación, hacer pruebas para determinar los valores de c y f óptimos.</a:t>
-            </a:r>
-          </a:p>
-          <a:p>
-            <a:r>
-              <a:rPr lang="es-CO" dirty="0"/>
-              <a:t>No utilizar valores de c demasiado grandes.</a:t>
-            </a:r>
-          </a:p>
-          <a:p>
-            <a:r>
-              <a:rPr lang="es-CO" dirty="0"/>
-              <a:t>Evitar atascamiento. Modificar algoritmo para intentar desatascarlo.</a:t>
-            </a:r>
-          </a:p>
-          <a:p>
-            <a:r>
-              <a:rPr lang="es-CO" dirty="0"/>
-              <a:t>No usar para aplicaciones en las que se necesite llegar exactamente a la meta.</a:t>
-            </a:r>
-          </a:p>
-          <a:p>
-            <a:r>
-              <a:rPr lang="es-CO" dirty="0"/>
-              <a:t>No siempre va a ser óptimo. Puede ser útil para simular comportamiento de humanos.</a:t>
-            </a:r>
-          </a:p>
-        </p:txBody>
-      </p:sp>
-    </p:spTree>
-    <p:extLst>
-      <p:ext uri="{BB962C8B-B14F-4D97-AF65-F5344CB8AC3E}">
-        <p14:creationId xmlns:p14="http://schemas.microsoft.com/office/powerpoint/2010/main" val="201042613"/>
-      </p:ext>
-    </p:extLst>
-  </p:cSld>
-  <p:clrMapOvr>
-    <a:masterClrMapping/>
-  </p:clrMapOvr>
-</p:sld>
-</file>
-
-<file path=ppt/slides/slide31.xml><?xml version="1.0" encoding="utf-8"?>
-<p:sld xmlns:a="http://schemas.openxmlformats.org/drawingml/2006/main" xmlns:r="http://schemas.openxmlformats.org/officeDocument/2006/relationships" xmlns:p="http://schemas.openxmlformats.org/presentationml/2006/main">
-  <p:cSld>
-    <p:spTree>
-      <p:nvGrpSpPr>
-        <p:cNvPr id="1" name=""/>
-        <p:cNvGrpSpPr/>
-        <p:nvPr/>
-      </p:nvGrpSpPr>
-      <p:grpSpPr>
-        <a:xfrm>
-          <a:off x="0" y="0"/>
-          <a:ext cx="0" cy="0"/>
-          <a:chOff x="0" y="0"/>
-          <a:chExt cx="0" cy="0"/>
-        </a:xfrm>
-      </p:grpSpPr>
-      <p:sp>
-        <p:nvSpPr>
           <p:cNvPr id="2" name="Title 1">
             <a:extLst>
               <a:ext uri="{FF2B5EF4-FFF2-40B4-BE49-F238E27FC236}">
@@ -27864,8 +27269,8 @@
           </a:p>
         </p:txBody>
       </p:sp>
-      <mc:AlternateContent xmlns:mc="http://schemas.openxmlformats.org/markup-compatibility/2006" xmlns:a14="http://schemas.microsoft.com/office/drawing/2010/main">
-        <mc:Choice Requires="a14">
+      <mc:AlternateContent xmlns:mc="http://schemas.openxmlformats.org/markup-compatibility/2006">
+        <mc:Choice xmlns:a14="http://schemas.microsoft.com/office/drawing/2010/main" Requires="a14">
           <p:sp>
             <p:nvSpPr>
               <p:cNvPr id="3" name="Marcador de contenido 2">
@@ -29070,7 +28475,7 @@
             </p:txBody>
           </p:sp>
         </mc:Choice>
-        <mc:Fallback xmlns="">
+        <mc:Fallback>
           <p:sp>
             <p:nvSpPr>
               <p:cNvPr id="3" name="Marcador de contenido 2">
@@ -29172,8 +28577,8 @@
           </a:p>
         </p:txBody>
       </p:sp>
-      <mc:AlternateContent xmlns:mc="http://schemas.openxmlformats.org/markup-compatibility/2006" xmlns:a14="http://schemas.microsoft.com/office/drawing/2010/main">
-        <mc:Choice Requires="a14">
+      <mc:AlternateContent xmlns:mc="http://schemas.openxmlformats.org/markup-compatibility/2006">
+        <mc:Choice xmlns:a14="http://schemas.microsoft.com/office/drawing/2010/main" Requires="a14">
           <p:sp>
             <p:nvSpPr>
               <p:cNvPr id="3" name="Marcador de contenido 2">
@@ -29403,7 +28808,7 @@
             </p:txBody>
           </p:sp>
         </mc:Choice>
-        <mc:Fallback xmlns="">
+        <mc:Fallback>
           <p:sp>
             <p:nvSpPr>
               <p:cNvPr id="3" name="Marcador de contenido 2">
@@ -29424,7 +28829,7 @@
               <a:blipFill>
                 <a:blip r:embed="rId3"/>
                 <a:stretch>
-                  <a:fillRect l="-959" t="-1155"/>
+                  <a:fillRect l="-959" t="-1320"/>
                 </a:stretch>
               </a:blipFill>
             </p:spPr>
@@ -30024,14 +29429,14 @@
           <a:lstStyle/>
           <a:p>
             <a:r>
-              <a:rPr lang="es-CO" sz="3200" dirty="0"/>
+              <a:rPr lang="es-CO" sz="3200"/>
               <a:t>Variación de Parámetro c</a:t>
             </a:r>
             <a:br>
-              <a:rPr lang="es-CO" sz="3200" dirty="0"/>
+              <a:rPr lang="es-CO" sz="3200"/>
             </a:br>
             <a:r>
-              <a:rPr lang="es-CO" sz="3200" dirty="0"/>
+              <a:rPr lang="es-CO" sz="3200"/>
               <a:t>(caso 1)</a:t>
             </a:r>
           </a:p>
@@ -30535,12 +29940,12 @@
                     <a:p>
                       <a:pPr algn="ctr" fontAlgn="b"/>
                       <a:r>
-                        <a:rPr lang="es-CO" sz="1100" u="none" strike="noStrike" dirty="0">
+                        <a:rPr lang="es-CO" sz="1100" u="none" strike="noStrike">
                           <a:effectLst/>
                         </a:rPr>
                         <a:t>Adams</a:t>
                       </a:r>
-                      <a:endParaRPr lang="es-CO" sz="1100" b="0" i="0" u="none" strike="noStrike" dirty="0">
+                      <a:endParaRPr lang="es-CO" sz="1100" b="0" i="0" u="none" strike="noStrike">
                         <a:solidFill>
                           <a:srgbClr val="000000"/>
                         </a:solidFill>
@@ -30776,12 +30181,12 @@
                     <a:p>
                       <a:pPr algn="r" fontAlgn="b"/>
                       <a:r>
-                        <a:rPr lang="es-CO" sz="1100" u="none" strike="noStrike" dirty="0">
+                        <a:rPr lang="es-CO" sz="1100" u="none" strike="noStrike">
                           <a:effectLst/>
                         </a:rPr>
                         <a:t>9.93E-16</a:t>
                       </a:r>
-                      <a:endParaRPr lang="es-CO" sz="1100" b="0" i="0" u="none" strike="noStrike" dirty="0">
+                      <a:endParaRPr lang="es-CO" sz="1100" b="0" i="0" u="none" strike="noStrike">
                         <a:solidFill>
                           <a:srgbClr val="000000"/>
                         </a:solidFill>
@@ -31031,14 +30436,14 @@
           <a:lstStyle/>
           <a:p>
             <a:r>
-              <a:rPr lang="es-CO" sz="3200" dirty="0"/>
+              <a:rPr lang="es-CO" sz="3200"/>
               <a:t>Variación de Parámetro c</a:t>
             </a:r>
             <a:br>
-              <a:rPr lang="es-CO" sz="3200" dirty="0"/>
+              <a:rPr lang="es-CO" sz="3200"/>
             </a:br>
             <a:r>
-              <a:rPr lang="es-CO" sz="3200" dirty="0"/>
+              <a:rPr lang="es-CO" sz="3200"/>
               <a:t>(caso 2)</a:t>
             </a:r>
           </a:p>
@@ -31783,12 +31188,12 @@
                     <a:p>
                       <a:pPr algn="r" fontAlgn="b"/>
                       <a:r>
-                        <a:rPr lang="es-CO" sz="1100" u="none" strike="noStrike" dirty="0">
+                        <a:rPr lang="es-CO" sz="1100" u="none" strike="noStrike">
                           <a:effectLst/>
                         </a:rPr>
                         <a:t>0.03260077</a:t>
                       </a:r>
-                      <a:endParaRPr lang="es-CO" sz="1100" b="0" i="0" u="none" strike="noStrike" dirty="0">
+                      <a:endParaRPr lang="es-CO" sz="1100" b="0" i="0" u="none" strike="noStrike">
                         <a:solidFill>
                           <a:srgbClr val="000000"/>
                         </a:solidFill>
@@ -32038,14 +31443,14 @@
           <a:lstStyle/>
           <a:p>
             <a:r>
-              <a:rPr lang="es-CO" sz="3200" dirty="0"/>
+              <a:rPr lang="es-CO" sz="3200"/>
               <a:t>Variación de Parámetro c</a:t>
             </a:r>
             <a:br>
-              <a:rPr lang="es-CO" sz="3200" dirty="0"/>
+              <a:rPr lang="es-CO" sz="3200"/>
             </a:br>
             <a:r>
-              <a:rPr lang="es-CO" sz="3200" dirty="0"/>
+              <a:rPr lang="es-CO" sz="3200"/>
               <a:t>(caso 3)</a:t>
             </a:r>
           </a:p>
@@ -32549,12 +31954,12 @@
                     <a:p>
                       <a:pPr algn="ctr" fontAlgn="b"/>
                       <a:r>
-                        <a:rPr lang="es-CO" sz="1100" u="none" strike="noStrike" dirty="0">
+                        <a:rPr lang="es-CO" sz="1100" u="none" strike="noStrike">
                           <a:effectLst/>
                         </a:rPr>
                         <a:t>Adams</a:t>
                       </a:r>
-                      <a:endParaRPr lang="es-CO" sz="1100" b="0" i="0" u="none" strike="noStrike" dirty="0">
+                      <a:endParaRPr lang="es-CO" sz="1100" b="0" i="0" u="none" strike="noStrike">
                         <a:solidFill>
                           <a:srgbClr val="000000"/>
                         </a:solidFill>
@@ -32790,12 +32195,12 @@
                     <a:p>
                       <a:pPr algn="r" fontAlgn="b"/>
                       <a:r>
-                        <a:rPr lang="es-CO" sz="1100" u="none" strike="noStrike" dirty="0">
+                        <a:rPr lang="es-CO" sz="1100" u="none" strike="noStrike">
                           <a:effectLst/>
                         </a:rPr>
                         <a:t>0.6167836</a:t>
                       </a:r>
-                      <a:endParaRPr lang="es-CO" sz="1100" b="0" i="0" u="none" strike="noStrike" dirty="0">
+                      <a:endParaRPr lang="es-CO" sz="1100" b="0" i="0" u="none" strike="noStrike">
                         <a:solidFill>
                           <a:srgbClr val="000000"/>
                         </a:solidFill>
